--- a/images/cover.jpg.pptx
+++ b/images/cover.jpg.pptx
@@ -6,6 +6,7 @@
   </p:sldMasterIdLst>
   <p:sldIdLst>
     <p:sldId id="256" r:id="rId2"/>
+    <p:sldId id="257" r:id="rId3"/>
   </p:sldIdLst>
   <p:sldSz cx="12192000" cy="6858000"/>
   <p:notesSz cx="6858000" cy="9144000"/>
@@ -270,7 +271,7 @@
           <a:p>
             <a:fld id="{1D942DCB-C538-4448-BF3A-11F685240C45}" type="datetimeFigureOut">
               <a:rPr lang="en-US" smtClean="0"/>
-              <a:t>8/1/2020</a:t>
+              <a:t>8/5/2020</a:t>
             </a:fld>
             <a:endParaRPr lang="en-US"/>
           </a:p>
@@ -468,7 +469,7 @@
           <a:p>
             <a:fld id="{1D942DCB-C538-4448-BF3A-11F685240C45}" type="datetimeFigureOut">
               <a:rPr lang="en-US" smtClean="0"/>
-              <a:t>8/1/2020</a:t>
+              <a:t>8/5/2020</a:t>
             </a:fld>
             <a:endParaRPr lang="en-US"/>
           </a:p>
@@ -676,7 +677,7 @@
           <a:p>
             <a:fld id="{1D942DCB-C538-4448-BF3A-11F685240C45}" type="datetimeFigureOut">
               <a:rPr lang="en-US" smtClean="0"/>
-              <a:t>8/1/2020</a:t>
+              <a:t>8/5/2020</a:t>
             </a:fld>
             <a:endParaRPr lang="en-US"/>
           </a:p>
@@ -874,7 +875,7 @@
           <a:p>
             <a:fld id="{1D942DCB-C538-4448-BF3A-11F685240C45}" type="datetimeFigureOut">
               <a:rPr lang="en-US" smtClean="0"/>
-              <a:t>8/1/2020</a:t>
+              <a:t>8/5/2020</a:t>
             </a:fld>
             <a:endParaRPr lang="en-US"/>
           </a:p>
@@ -1149,7 +1150,7 @@
           <a:p>
             <a:fld id="{1D942DCB-C538-4448-BF3A-11F685240C45}" type="datetimeFigureOut">
               <a:rPr lang="en-US" smtClean="0"/>
-              <a:t>8/1/2020</a:t>
+              <a:t>8/5/2020</a:t>
             </a:fld>
             <a:endParaRPr lang="en-US"/>
           </a:p>
@@ -1414,7 +1415,7 @@
           <a:p>
             <a:fld id="{1D942DCB-C538-4448-BF3A-11F685240C45}" type="datetimeFigureOut">
               <a:rPr lang="en-US" smtClean="0"/>
-              <a:t>8/1/2020</a:t>
+              <a:t>8/5/2020</a:t>
             </a:fld>
             <a:endParaRPr lang="en-US"/>
           </a:p>
@@ -1826,7 +1827,7 @@
           <a:p>
             <a:fld id="{1D942DCB-C538-4448-BF3A-11F685240C45}" type="datetimeFigureOut">
               <a:rPr lang="en-US" smtClean="0"/>
-              <a:t>8/1/2020</a:t>
+              <a:t>8/5/2020</a:t>
             </a:fld>
             <a:endParaRPr lang="en-US"/>
           </a:p>
@@ -1967,7 +1968,7 @@
           <a:p>
             <a:fld id="{1D942DCB-C538-4448-BF3A-11F685240C45}" type="datetimeFigureOut">
               <a:rPr lang="en-US" smtClean="0"/>
-              <a:t>8/1/2020</a:t>
+              <a:t>8/5/2020</a:t>
             </a:fld>
             <a:endParaRPr lang="en-US"/>
           </a:p>
@@ -2080,7 +2081,7 @@
           <a:p>
             <a:fld id="{1D942DCB-C538-4448-BF3A-11F685240C45}" type="datetimeFigureOut">
               <a:rPr lang="en-US" smtClean="0"/>
-              <a:t>8/1/2020</a:t>
+              <a:t>8/5/2020</a:t>
             </a:fld>
             <a:endParaRPr lang="en-US"/>
           </a:p>
@@ -2391,7 +2392,7 @@
           <a:p>
             <a:fld id="{1D942DCB-C538-4448-BF3A-11F685240C45}" type="datetimeFigureOut">
               <a:rPr lang="en-US" smtClean="0"/>
-              <a:t>8/1/2020</a:t>
+              <a:t>8/5/2020</a:t>
             </a:fld>
             <a:endParaRPr lang="en-US"/>
           </a:p>
@@ -2679,7 +2680,7 @@
           <a:p>
             <a:fld id="{1D942DCB-C538-4448-BF3A-11F685240C45}" type="datetimeFigureOut">
               <a:rPr lang="en-US" smtClean="0"/>
-              <a:t>8/1/2020</a:t>
+              <a:t>8/5/2020</a:t>
             </a:fld>
             <a:endParaRPr lang="en-US"/>
           </a:p>
@@ -2920,7 +2921,7 @@
           <a:p>
             <a:fld id="{1D942DCB-C538-4448-BF3A-11F685240C45}" type="datetimeFigureOut">
               <a:rPr lang="en-US" smtClean="0"/>
-              <a:t>8/1/2020</a:t>
+              <a:t>8/5/2020</a:t>
             </a:fld>
             <a:endParaRPr lang="en-US"/>
           </a:p>
@@ -3337,12 +3338,198 @@
           <a:chExt cx="0" cy="0"/>
         </a:xfrm>
       </p:grpSpPr>
+      <p:grpSp>
+        <p:nvGrpSpPr>
+          <p:cNvPr id="6" name="Group 5">
+            <a:extLst>
+              <a:ext uri="{FF2B5EF4-FFF2-40B4-BE49-F238E27FC236}">
+                <a16:creationId xmlns:a16="http://schemas.microsoft.com/office/drawing/2014/main" id="{103BF2FB-FBB7-44D2-8A4C-19B52AE0D398}"/>
+              </a:ext>
+            </a:extLst>
+          </p:cNvPr>
+          <p:cNvGrpSpPr/>
+          <p:nvPr/>
+        </p:nvGrpSpPr>
+        <p:grpSpPr>
+          <a:xfrm>
+            <a:off x="3459709" y="0"/>
+            <a:ext cx="5272581" cy="6858000"/>
+            <a:chOff x="3459709" y="0"/>
+            <a:chExt cx="5272581" cy="6858000"/>
+          </a:xfrm>
+        </p:grpSpPr>
+        <p:pic>
+          <p:nvPicPr>
+            <p:cNvPr id="5" name="Picture 4">
+              <a:extLst>
+                <a:ext uri="{FF2B5EF4-FFF2-40B4-BE49-F238E27FC236}">
+                  <a16:creationId xmlns:a16="http://schemas.microsoft.com/office/drawing/2014/main" id="{CC106F18-8399-463C-BB9A-6E88082BF8F0}"/>
+                </a:ext>
+              </a:extLst>
+            </p:cNvPr>
+            <p:cNvPicPr>
+              <a:picLocks noChangeAspect="1"/>
+            </p:cNvPicPr>
+            <p:nvPr/>
+          </p:nvPicPr>
+          <p:blipFill>
+            <a:blip r:embed="rId2"/>
+            <a:stretch>
+              <a:fillRect/>
+            </a:stretch>
+          </p:blipFill>
+          <p:spPr>
+            <a:xfrm>
+              <a:off x="3459709" y="0"/>
+              <a:ext cx="5272581" cy="6858000"/>
+            </a:xfrm>
+            <a:prstGeom prst="rect">
+              <a:avLst/>
+            </a:prstGeom>
+          </p:spPr>
+        </p:pic>
+        <p:sp>
+          <p:nvSpPr>
+            <p:cNvPr id="2" name="Rectangle 1">
+              <a:extLst>
+                <a:ext uri="{FF2B5EF4-FFF2-40B4-BE49-F238E27FC236}">
+                  <a16:creationId xmlns:a16="http://schemas.microsoft.com/office/drawing/2014/main" id="{F5E0AC83-0FBC-4D17-A505-84A677C296D2}"/>
+                </a:ext>
+              </a:extLst>
+            </p:cNvPr>
+            <p:cNvSpPr/>
+            <p:nvPr/>
+          </p:nvSpPr>
+          <p:spPr>
+            <a:xfrm>
+              <a:off x="6559665" y="5770880"/>
+              <a:ext cx="1913775" cy="812800"/>
+            </a:xfrm>
+            <a:prstGeom prst="rect">
+              <a:avLst/>
+            </a:prstGeom>
+            <a:solidFill>
+              <a:schemeClr val="bg1"/>
+            </a:solidFill>
+            <a:ln w="28575">
+              <a:solidFill>
+                <a:schemeClr val="tx1"/>
+              </a:solidFill>
+            </a:ln>
+          </p:spPr>
+          <p:style>
+            <a:lnRef idx="2">
+              <a:schemeClr val="accent1">
+                <a:shade val="50000"/>
+              </a:schemeClr>
+            </a:lnRef>
+            <a:fillRef idx="1">
+              <a:schemeClr val="accent1"/>
+            </a:fillRef>
+            <a:effectRef idx="0">
+              <a:schemeClr val="accent1"/>
+            </a:effectRef>
+            <a:fontRef idx="minor">
+              <a:schemeClr val="lt1"/>
+            </a:fontRef>
+          </p:style>
+          <p:txBody>
+            <a:bodyPr lIns="0" tIns="0" rIns="180000" bIns="0" rtlCol="0" anchor="b" anchorCtr="0"/>
+            <a:lstStyle/>
+            <a:p>
+              <a:pPr algn="r"/>
+              <a:r>
+                <a:rPr lang="en-US" sz="4400" b="1" dirty="0">
+                  <a:solidFill>
+                    <a:schemeClr val="tx1"/>
+                  </a:solidFill>
+                  <a:latin typeface="KoPubWorld돋움체_Pro Bold" panose="00000800000000000000" pitchFamily="50" charset="-127"/>
+                  <a:ea typeface="KoPubWorld돋움체_Pro Bold" panose="00000800000000000000" pitchFamily="50" charset="-127"/>
+                  <a:cs typeface="KoPubWorld돋움체_Pro Bold" panose="00000800000000000000" pitchFamily="50" charset="-127"/>
+                </a:rPr>
+                <a:t>PDF</a:t>
+              </a:r>
+            </a:p>
+          </p:txBody>
+        </p:sp>
+        <p:pic>
+          <p:nvPicPr>
+            <p:cNvPr id="3" name="Picture 2">
+              <a:extLst>
+                <a:ext uri="{FF2B5EF4-FFF2-40B4-BE49-F238E27FC236}">
+                  <a16:creationId xmlns:a16="http://schemas.microsoft.com/office/drawing/2014/main" id="{F77B7CE0-2106-4CDB-B19C-60F3B8402E8E}"/>
+                </a:ext>
+              </a:extLst>
+            </p:cNvPr>
+            <p:cNvPicPr>
+              <a:picLocks noChangeAspect="1"/>
+            </p:cNvPicPr>
+            <p:nvPr/>
+          </p:nvPicPr>
+          <p:blipFill>
+            <a:blip r:embed="rId3">
+              <a:clrChange>
+                <a:clrFrom>
+                  <a:srgbClr val="FFFFFF"/>
+                </a:clrFrom>
+                <a:clrTo>
+                  <a:srgbClr val="FFFFFF">
+                    <a:alpha val="0"/>
+                  </a:srgbClr>
+                </a:clrTo>
+              </a:clrChange>
+            </a:blip>
+            <a:stretch>
+              <a:fillRect/>
+            </a:stretch>
+          </p:blipFill>
+          <p:spPr>
+            <a:xfrm>
+              <a:off x="6559665" y="5726798"/>
+              <a:ext cx="769850" cy="937540"/>
+            </a:xfrm>
+            <a:prstGeom prst="rect">
+              <a:avLst/>
+            </a:prstGeom>
+          </p:spPr>
+        </p:pic>
+      </p:grpSp>
+    </p:spTree>
+    <p:extLst>
+      <p:ext uri="{BB962C8B-B14F-4D97-AF65-F5344CB8AC3E}">
+        <p14:creationId xmlns:p14="http://schemas.microsoft.com/office/powerpoint/2010/main" val="342054382"/>
+      </p:ext>
+    </p:extLst>
+  </p:cSld>
+  <p:clrMapOvr>
+    <a:masterClrMapping/>
+  </p:clrMapOvr>
+</p:sld>
+</file>
+
+<file path=ppt/slides/slide2.xml><?xml version="1.0" encoding="utf-8"?>
+<p:sld xmlns:a="http://schemas.openxmlformats.org/drawingml/2006/main" xmlns:r="http://schemas.openxmlformats.org/officeDocument/2006/relationships" xmlns:p="http://schemas.openxmlformats.org/presentationml/2006/main">
+  <p:cSld>
+    <p:spTree>
+      <p:nvGrpSpPr>
+        <p:cNvPr id="1" name=""/>
+        <p:cNvGrpSpPr/>
+        <p:nvPr/>
+      </p:nvGrpSpPr>
+      <p:grpSpPr>
+        <a:xfrm>
+          <a:off x="0" y="0"/>
+          <a:ext cx="0" cy="0"/>
+          <a:chOff x="0" y="0"/>
+          <a:chExt cx="0" cy="0"/>
+        </a:xfrm>
+      </p:grpSpPr>
       <p:pic>
         <p:nvPicPr>
-          <p:cNvPr id="4" name="Picture 3">
-            <a:extLst>
-              <a:ext uri="{FF2B5EF4-FFF2-40B4-BE49-F238E27FC236}">
-                <a16:creationId xmlns:a16="http://schemas.microsoft.com/office/drawing/2014/main" id="{94F66A4D-F199-44C9-A898-C6799C2FF108}"/>
+          <p:cNvPr id="2" name="Picture 1">
+            <a:extLst>
+              <a:ext uri="{FF2B5EF4-FFF2-40B4-BE49-F238E27FC236}">
+                <a16:creationId xmlns:a16="http://schemas.microsoft.com/office/drawing/2014/main" id="{13B1D492-C036-4CAB-A06A-DFEF3761DB6B}"/>
               </a:ext>
             </a:extLst>
           </p:cNvPr>
@@ -3371,40 +3558,39 @@
           </a:ln>
         </p:spPr>
       </p:pic>
-      <p:pic>
-        <p:nvPicPr>
-          <p:cNvPr id="5" name="Picture 4">
-            <a:extLst>
-              <a:ext uri="{FF2B5EF4-FFF2-40B4-BE49-F238E27FC236}">
-                <a16:creationId xmlns:a16="http://schemas.microsoft.com/office/drawing/2014/main" id="{CC106F18-8399-463C-BB9A-6E88082BF8F0}"/>
-              </a:ext>
-            </a:extLst>
-          </p:cNvPr>
-          <p:cNvPicPr>
-            <a:picLocks noChangeAspect="1"/>
-          </p:cNvPicPr>
-          <p:nvPr/>
-        </p:nvPicPr>
-        <p:blipFill>
-          <a:blip r:embed="rId3"/>
-          <a:stretch>
-            <a:fillRect/>
-          </a:stretch>
-        </p:blipFill>
-        <p:spPr>
-          <a:xfrm>
-            <a:off x="607109" y="0"/>
-            <a:ext cx="5272581" cy="6858000"/>
-          </a:xfrm>
-          <a:prstGeom prst="rect">
-            <a:avLst/>
-          </a:prstGeom>
-        </p:spPr>
-      </p:pic>
+      <p:sp>
+        <p:nvSpPr>
+          <p:cNvPr id="3" name="Title 2">
+            <a:extLst>
+              <a:ext uri="{FF2B5EF4-FFF2-40B4-BE49-F238E27FC236}">
+                <a16:creationId xmlns:a16="http://schemas.microsoft.com/office/drawing/2014/main" id="{4551DBDF-F5C1-488F-BAFC-31B039C5CE39}"/>
+              </a:ext>
+            </a:extLst>
+          </p:cNvPr>
+          <p:cNvSpPr>
+            <a:spLocks noGrp="1"/>
+          </p:cNvSpPr>
+          <p:nvPr>
+            <p:ph type="title"/>
+          </p:nvPr>
+        </p:nvSpPr>
+        <p:spPr/>
+        <p:txBody>
+          <a:bodyPr/>
+          <a:lstStyle/>
+          <a:p>
+            <a:r>
+              <a:rPr lang="ko-KR" altLang="en-US" dirty="0"/>
+              <a:t>원본</a:t>
+            </a:r>
+            <a:endParaRPr lang="en-US" dirty="0"/>
+          </a:p>
+        </p:txBody>
+      </p:sp>
     </p:spTree>
     <p:extLst>
       <p:ext uri="{BB962C8B-B14F-4D97-AF65-F5344CB8AC3E}">
-        <p14:creationId xmlns:p14="http://schemas.microsoft.com/office/powerpoint/2010/main" val="342054382"/>
+        <p14:creationId xmlns:p14="http://schemas.microsoft.com/office/powerpoint/2010/main" val="2441777280"/>
       </p:ext>
     </p:extLst>
   </p:cSld>
